--- a/5_Documentation/Booked.pptx
+++ b/5_Documentation/Booked.pptx
@@ -107,6 +107,11 @@
       </a:defRPr>
     </a:lvl9pPr>
   </p:defaultTextStyle>
+  <p:extLst>
+    <p:ext uri="{EFAFB233-063F-42B5-8137-9DF3F51BA10A}">
+      <p15:sldGuideLst xmlns:p15="http://schemas.microsoft.com/office/powerpoint/2012/main"/>
+    </p:ext>
+  </p:extLst>
 </p:presentation>
 </file>
 
@@ -855,7 +860,7 @@
           <a:p>
             <a:fld id="{926575D0-1D6C-4441-B0DE-2A11538D0C70}" type="datetimeFigureOut">
               <a:rPr lang="en-US" smtClean="0"/>
-              <a:t>11/8/2024</a:t>
+              <a:t>12/20/2024</a:t>
             </a:fld>
             <a:endParaRPr lang="en-US"/>
           </a:p>
@@ -1106,7 +1111,7 @@
           <a:p>
             <a:fld id="{926575D0-1D6C-4441-B0DE-2A11538D0C70}" type="datetimeFigureOut">
               <a:rPr lang="en-US" smtClean="0"/>
-              <a:t>11/8/2024</a:t>
+              <a:t>12/20/2024</a:t>
             </a:fld>
             <a:endParaRPr lang="en-US"/>
           </a:p>
@@ -1420,7 +1425,7 @@
           <a:p>
             <a:fld id="{926575D0-1D6C-4441-B0DE-2A11538D0C70}" type="datetimeFigureOut">
               <a:rPr lang="en-US" smtClean="0"/>
-              <a:t>11/8/2024</a:t>
+              <a:t>12/20/2024</a:t>
             </a:fld>
             <a:endParaRPr lang="en-US"/>
           </a:p>
@@ -1753,7 +1758,7 @@
           <a:p>
             <a:fld id="{926575D0-1D6C-4441-B0DE-2A11538D0C70}" type="datetimeFigureOut">
               <a:rPr lang="en-US" smtClean="0"/>
-              <a:t>11/8/2024</a:t>
+              <a:t>12/20/2024</a:t>
             </a:fld>
             <a:endParaRPr lang="en-US"/>
           </a:p>
@@ -2067,7 +2072,7 @@
           <a:p>
             <a:fld id="{926575D0-1D6C-4441-B0DE-2A11538D0C70}" type="datetimeFigureOut">
               <a:rPr lang="en-US" smtClean="0"/>
-              <a:t>11/8/2024</a:t>
+              <a:t>12/20/2024</a:t>
             </a:fld>
             <a:endParaRPr lang="en-US"/>
           </a:p>
@@ -2460,7 +2465,7 @@
           <a:p>
             <a:fld id="{926575D0-1D6C-4441-B0DE-2A11538D0C70}" type="datetimeFigureOut">
               <a:rPr lang="en-US" smtClean="0"/>
-              <a:t>11/8/2024</a:t>
+              <a:t>12/20/2024</a:t>
             </a:fld>
             <a:endParaRPr lang="en-US"/>
           </a:p>
@@ -2630,7 +2635,7 @@
           <a:p>
             <a:fld id="{926575D0-1D6C-4441-B0DE-2A11538D0C70}" type="datetimeFigureOut">
               <a:rPr lang="en-US" smtClean="0"/>
-              <a:t>11/8/2024</a:t>
+              <a:t>12/20/2024</a:t>
             </a:fld>
             <a:endParaRPr lang="en-US"/>
           </a:p>
@@ -2810,7 +2815,7 @@
           <a:p>
             <a:fld id="{926575D0-1D6C-4441-B0DE-2A11538D0C70}" type="datetimeFigureOut">
               <a:rPr lang="en-US" smtClean="0"/>
-              <a:t>11/8/2024</a:t>
+              <a:t>12/20/2024</a:t>
             </a:fld>
             <a:endParaRPr lang="en-US"/>
           </a:p>
@@ -2980,7 +2985,7 @@
           <a:p>
             <a:fld id="{926575D0-1D6C-4441-B0DE-2A11538D0C70}" type="datetimeFigureOut">
               <a:rPr lang="en-US" smtClean="0"/>
-              <a:t>11/8/2024</a:t>
+              <a:t>12/20/2024</a:t>
             </a:fld>
             <a:endParaRPr lang="en-US"/>
           </a:p>
@@ -3227,7 +3232,7 @@
           <a:p>
             <a:fld id="{926575D0-1D6C-4441-B0DE-2A11538D0C70}" type="datetimeFigureOut">
               <a:rPr lang="en-US" smtClean="0"/>
-              <a:t>11/8/2024</a:t>
+              <a:t>12/20/2024</a:t>
             </a:fld>
             <a:endParaRPr lang="en-US"/>
           </a:p>
@@ -3459,7 +3464,7 @@
           <a:p>
             <a:fld id="{926575D0-1D6C-4441-B0DE-2A11538D0C70}" type="datetimeFigureOut">
               <a:rPr lang="en-US" smtClean="0"/>
-              <a:t>11/8/2024</a:t>
+              <a:t>12/20/2024</a:t>
             </a:fld>
             <a:endParaRPr lang="en-US"/>
           </a:p>
@@ -3833,7 +3838,7 @@
           <a:p>
             <a:fld id="{926575D0-1D6C-4441-B0DE-2A11538D0C70}" type="datetimeFigureOut">
               <a:rPr lang="en-US" smtClean="0"/>
-              <a:t>11/8/2024</a:t>
+              <a:t>12/20/2024</a:t>
             </a:fld>
             <a:endParaRPr lang="en-US"/>
           </a:p>
@@ -3956,7 +3961,7 @@
           <a:p>
             <a:fld id="{926575D0-1D6C-4441-B0DE-2A11538D0C70}" type="datetimeFigureOut">
               <a:rPr lang="en-US" smtClean="0"/>
-              <a:t>11/8/2024</a:t>
+              <a:t>12/20/2024</a:t>
             </a:fld>
             <a:endParaRPr lang="en-US"/>
           </a:p>
@@ -4051,7 +4056,7 @@
           <a:p>
             <a:fld id="{926575D0-1D6C-4441-B0DE-2A11538D0C70}" type="datetimeFigureOut">
               <a:rPr lang="en-US" smtClean="0"/>
-              <a:t>11/8/2024</a:t>
+              <a:t>12/20/2024</a:t>
             </a:fld>
             <a:endParaRPr lang="en-US"/>
           </a:p>
@@ -4306,7 +4311,7 @@
           <a:p>
             <a:fld id="{926575D0-1D6C-4441-B0DE-2A11538D0C70}" type="datetimeFigureOut">
               <a:rPr lang="en-US" smtClean="0"/>
-              <a:t>11/8/2024</a:t>
+              <a:t>12/20/2024</a:t>
             </a:fld>
             <a:endParaRPr lang="en-US"/>
           </a:p>
@@ -4611,7 +4616,7 @@
           <a:p>
             <a:fld id="{926575D0-1D6C-4441-B0DE-2A11538D0C70}" type="datetimeFigureOut">
               <a:rPr lang="en-US" smtClean="0"/>
-              <a:t>11/8/2024</a:t>
+              <a:t>12/20/2024</a:t>
             </a:fld>
             <a:endParaRPr lang="en-US"/>
           </a:p>
@@ -5313,7 +5318,7 @@
           <a:p>
             <a:fld id="{926575D0-1D6C-4441-B0DE-2A11538D0C70}" type="datetimeFigureOut">
               <a:rPr lang="en-US" smtClean="0"/>
-              <a:t>11/8/2024</a:t>
+              <a:t>12/20/2024</a:t>
             </a:fld>
             <a:endParaRPr lang="en-US"/>
           </a:p>
@@ -6118,6 +6123,12 @@
           <a:p>
             <a:r>
               <a:rPr lang="en-US" dirty="0"/>
+              <a:t>List Books</a:t>
+            </a:r>
+          </a:p>
+          <a:p>
+            <a:r>
+              <a:rPr lang="en-US" dirty="0"/>
               <a:t>Edit/Delete Books</a:t>
             </a:r>
           </a:p>
@@ -6486,6 +6497,23 @@
 </file>
 
 <file path=customXml/item1.xml><?xml version="1.0" encoding="utf-8"?>
+<p:properties xmlns:p="http://schemas.microsoft.com/office/2006/metadata/properties" xmlns:xsi="http://www.w3.org/2001/XMLSchema-instance" xmlns:pc="http://schemas.microsoft.com/office/infopath/2007/PartnerControls">
+  <documentManagement>
+    <_activity xmlns="b2ecd5f4-3e0b-4976-88df-60a9b42a5749" xsi:nil="true"/>
+  </documentManagement>
+</p:properties>
+</file>
+
+<file path=customXml/item2.xml><?xml version="1.0" encoding="utf-8"?>
+<?mso-contentType ?>
+<FormTemplates xmlns="http://schemas.microsoft.com/sharepoint/v3/contenttype/forms">
+  <Display>DocumentLibraryForm</Display>
+  <Edit>DocumentLibraryForm</Edit>
+  <New>DocumentLibraryForm</New>
+</FormTemplates>
+</file>
+
+<file path=customXml/item3.xml><?xml version="1.0" encoding="utf-8"?>
 <ct:contentTypeSchema xmlns:ct="http://schemas.microsoft.com/office/2006/metadata/contentType" xmlns:ma="http://schemas.microsoft.com/office/2006/metadata/properties/metaAttributes" ct:_="" ma:_="" ma:contentTypeName="Document" ma:contentTypeID="0x0101006DAC39B51D0A9349BCA419CDC9076E75" ma:contentTypeVersion="14" ma:contentTypeDescription="Create a new document." ma:contentTypeScope="" ma:versionID="1ae6f1d2aaf72918b7cb206359bdce86">
   <xsd:schema xmlns:xsd="http://www.w3.org/2001/XMLSchema" xmlns:xs="http://www.w3.org/2001/XMLSchema" xmlns:p="http://schemas.microsoft.com/office/2006/metadata/properties" xmlns:ns3="b2ecd5f4-3e0b-4976-88df-60a9b42a5749" xmlns:ns4="df41d492-efdc-49a1-afac-7d6941a61248" targetNamespace="http://schemas.microsoft.com/office/2006/metadata/properties" ma:root="true" ma:fieldsID="5cd88e3342d485093261600df7333165" ns3:_="" ns4:_="">
     <xsd:import namespace="b2ecd5f4-3e0b-4976-88df-60a9b42a5749"/>
@@ -6712,24 +6740,32 @@
 </ct:contentTypeSchema>
 </file>
 
-<file path=customXml/item2.xml><?xml version="1.0" encoding="utf-8"?>
-<?mso-contentType ?>
-<FormTemplates xmlns="http://schemas.microsoft.com/sharepoint/v3/contenttype/forms">
-  <Display>DocumentLibraryForm</Display>
-  <Edit>DocumentLibraryForm</Edit>
-  <New>DocumentLibraryForm</New>
-</FormTemplates>
+<file path=customXml/itemProps1.xml><?xml version="1.0" encoding="utf-8"?>
+<ds:datastoreItem xmlns:ds="http://schemas.openxmlformats.org/officeDocument/2006/customXml" ds:itemID="{08E12F51-EE21-40E6-B45B-A9C617C4B4B3}">
+  <ds:schemaRefs>
+    <ds:schemaRef ds:uri="b2ecd5f4-3e0b-4976-88df-60a9b42a5749"/>
+    <ds:schemaRef ds:uri="http://purl.org/dc/terms/"/>
+    <ds:schemaRef ds:uri="http://schemas.openxmlformats.org/package/2006/metadata/core-properties"/>
+    <ds:schemaRef ds:uri="http://schemas.microsoft.com/office/2006/documentManagement/types"/>
+    <ds:schemaRef ds:uri="http://schemas.microsoft.com/office/infopath/2007/PartnerControls"/>
+    <ds:schemaRef ds:uri="http://purl.org/dc/elements/1.1/"/>
+    <ds:schemaRef ds:uri="http://schemas.microsoft.com/office/2006/metadata/properties"/>
+    <ds:schemaRef ds:uri="df41d492-efdc-49a1-afac-7d6941a61248"/>
+    <ds:schemaRef ds:uri="http://www.w3.org/XML/1998/namespace"/>
+    <ds:schemaRef ds:uri="http://purl.org/dc/dcmitype/"/>
+  </ds:schemaRefs>
+</ds:datastoreItem>
 </file>
 
-<file path=customXml/item3.xml><?xml version="1.0" encoding="utf-8"?>
-<p:properties xmlns:p="http://schemas.microsoft.com/office/2006/metadata/properties" xmlns:xsi="http://www.w3.org/2001/XMLSchema-instance" xmlns:pc="http://schemas.microsoft.com/office/infopath/2007/PartnerControls">
-  <documentManagement>
-    <_activity xmlns="b2ecd5f4-3e0b-4976-88df-60a9b42a5749" xsi:nil="true"/>
-  </documentManagement>
-</p:properties>
+<file path=customXml/itemProps2.xml><?xml version="1.0" encoding="utf-8"?>
+<ds:datastoreItem xmlns:ds="http://schemas.openxmlformats.org/officeDocument/2006/customXml" ds:itemID="{3FD7AD79-7391-4533-8A20-C50A2F7213AA}">
+  <ds:schemaRefs>
+    <ds:schemaRef ds:uri="http://schemas.microsoft.com/sharepoint/v3/contenttype/forms"/>
+  </ds:schemaRefs>
+</ds:datastoreItem>
 </file>
 
-<file path=customXml/itemProps1.xml><?xml version="1.0" encoding="utf-8"?>
+<file path=customXml/itemProps3.xml><?xml version="1.0" encoding="utf-8"?>
 <ds:datastoreItem xmlns:ds="http://schemas.openxmlformats.org/officeDocument/2006/customXml" ds:itemID="{C727F565-0279-4201-90EF-D9A2ED1975CC}">
   <ds:schemaRefs>
     <ds:schemaRef ds:uri="http://schemas.microsoft.com/office/2006/metadata/contentType"/>
@@ -6746,29 +6782,4 @@
     <ds:schemaRef ds:uri="http://schemas.microsoft.com/internal/obd"/>
   </ds:schemaRefs>
 </ds:datastoreItem>
-</file>
-
-<file path=customXml/itemProps2.xml><?xml version="1.0" encoding="utf-8"?>
-<ds:datastoreItem xmlns:ds="http://schemas.openxmlformats.org/officeDocument/2006/customXml" ds:itemID="{3FD7AD79-7391-4533-8A20-C50A2F7213AA}">
-  <ds:schemaRefs>
-    <ds:schemaRef ds:uri="http://schemas.microsoft.com/sharepoint/v3/contenttype/forms"/>
-  </ds:schemaRefs>
-</ds:datastoreItem>
-</file>
-
-<file path=customXml/itemProps3.xml><?xml version="1.0" encoding="utf-8"?>
-<ds:datastoreItem xmlns:ds="http://schemas.openxmlformats.org/officeDocument/2006/customXml" ds:itemID="{08E12F51-EE21-40E6-B45B-A9C617C4B4B3}">
-  <ds:schemaRefs>
-    <ds:schemaRef ds:uri="b2ecd5f4-3e0b-4976-88df-60a9b42a5749"/>
-    <ds:schemaRef ds:uri="http://purl.org/dc/terms/"/>
-    <ds:schemaRef ds:uri="http://schemas.openxmlformats.org/package/2006/metadata/core-properties"/>
-    <ds:schemaRef ds:uri="http://schemas.microsoft.com/office/2006/documentManagement/types"/>
-    <ds:schemaRef ds:uri="http://schemas.microsoft.com/office/infopath/2007/PartnerControls"/>
-    <ds:schemaRef ds:uri="http://purl.org/dc/elements/1.1/"/>
-    <ds:schemaRef ds:uri="http://schemas.microsoft.com/office/2006/metadata/properties"/>
-    <ds:schemaRef ds:uri="df41d492-efdc-49a1-afac-7d6941a61248"/>
-    <ds:schemaRef ds:uri="http://www.w3.org/XML/1998/namespace"/>
-    <ds:schemaRef ds:uri="http://purl.org/dc/dcmitype/"/>
-  </ds:schemaRefs>
-</ds:datastoreItem>
 </file>